--- a/2020/9月/17-9.pptx
+++ b/2020/9月/17-9.pptx
@@ -22,6 +22,7 @@
     <p:sldId id="268" r:id="rId16"/>
     <p:sldId id="271" r:id="rId17"/>
     <p:sldId id="272" r:id="rId18"/>
+    <p:sldId id="273" r:id="rId19"/>
   </p:sldIdLst>
   <p:sldSz cx="12192000" cy="6858000"/>
   <p:notesSz cx="6858000" cy="9144000"/>
@@ -122,7 +123,7 @@
   </p:defaultTextStyle>
   <p:extLst>
     <p:ext uri="{EFAFB233-063F-42B5-8137-9DF3F51BA10A}">
-      <p15:sldGuideLst xmlns="" xmlns:p15="http://schemas.microsoft.com/office/powerpoint/2012/main">
+      <p15:sldGuideLst xmlns:p15="http://schemas.microsoft.com/office/powerpoint/2012/main" xmlns="">
         <p15:guide id="1" orient="horz" pos="2160" userDrawn="1">
           <p15:clr>
             <a:srgbClr val="A4A3A4"/>
@@ -321,7 +322,7 @@
             <a:fld id="{B4A29A6A-427F-4B19-8281-5DE5E0B60C4E}" type="datetimeFigureOut">
               <a:rPr lang="zh-TW" altLang="en-US" smtClean="0"/>
               <a:pPr/>
-              <a:t>2020/9/8</a:t>
+              <a:t>2020/9/17</a:t>
             </a:fld>
             <a:endParaRPr lang="zh-TW" altLang="en-US"/>
           </a:p>
@@ -488,7 +489,7 @@
             <a:fld id="{B4A29A6A-427F-4B19-8281-5DE5E0B60C4E}" type="datetimeFigureOut">
               <a:rPr lang="zh-TW" altLang="en-US" smtClean="0"/>
               <a:pPr/>
-              <a:t>2020/9/8</a:t>
+              <a:t>2020/9/17</a:t>
             </a:fld>
             <a:endParaRPr lang="zh-TW" altLang="en-US"/>
           </a:p>
@@ -665,7 +666,7 @@
             <a:fld id="{B4A29A6A-427F-4B19-8281-5DE5E0B60C4E}" type="datetimeFigureOut">
               <a:rPr lang="zh-TW" altLang="en-US" smtClean="0"/>
               <a:pPr/>
-              <a:t>2020/9/8</a:t>
+              <a:t>2020/9/17</a:t>
             </a:fld>
             <a:endParaRPr lang="zh-TW" altLang="en-US"/>
           </a:p>
@@ -832,7 +833,7 @@
             <a:fld id="{B4A29A6A-427F-4B19-8281-5DE5E0B60C4E}" type="datetimeFigureOut">
               <a:rPr lang="zh-TW" altLang="en-US" smtClean="0"/>
               <a:pPr/>
-              <a:t>2020/9/8</a:t>
+              <a:t>2020/9/17</a:t>
             </a:fld>
             <a:endParaRPr lang="zh-TW" altLang="en-US"/>
           </a:p>
@@ -1075,7 +1076,7 @@
             <a:fld id="{B4A29A6A-427F-4B19-8281-5DE5E0B60C4E}" type="datetimeFigureOut">
               <a:rPr lang="zh-TW" altLang="en-US" smtClean="0"/>
               <a:pPr/>
-              <a:t>2020/9/8</a:t>
+              <a:t>2020/9/17</a:t>
             </a:fld>
             <a:endParaRPr lang="zh-TW" altLang="en-US"/>
           </a:p>
@@ -1360,7 +1361,7 @@
             <a:fld id="{B4A29A6A-427F-4B19-8281-5DE5E0B60C4E}" type="datetimeFigureOut">
               <a:rPr lang="zh-TW" altLang="en-US" smtClean="0"/>
               <a:pPr/>
-              <a:t>2020/9/8</a:t>
+              <a:t>2020/9/17</a:t>
             </a:fld>
             <a:endParaRPr lang="zh-TW" altLang="en-US"/>
           </a:p>
@@ -1779,7 +1780,7 @@
             <a:fld id="{B4A29A6A-427F-4B19-8281-5DE5E0B60C4E}" type="datetimeFigureOut">
               <a:rPr lang="zh-TW" altLang="en-US" smtClean="0"/>
               <a:pPr/>
-              <a:t>2020/9/8</a:t>
+              <a:t>2020/9/17</a:t>
             </a:fld>
             <a:endParaRPr lang="zh-TW" altLang="en-US"/>
           </a:p>
@@ -1894,7 +1895,7 @@
             <a:fld id="{B4A29A6A-427F-4B19-8281-5DE5E0B60C4E}" type="datetimeFigureOut">
               <a:rPr lang="zh-TW" altLang="en-US" smtClean="0"/>
               <a:pPr/>
-              <a:t>2020/9/8</a:t>
+              <a:t>2020/9/17</a:t>
             </a:fld>
             <a:endParaRPr lang="zh-TW" altLang="en-US"/>
           </a:p>
@@ -1986,7 +1987,7 @@
             <a:fld id="{B4A29A6A-427F-4B19-8281-5DE5E0B60C4E}" type="datetimeFigureOut">
               <a:rPr lang="zh-TW" altLang="en-US" smtClean="0"/>
               <a:pPr/>
-              <a:t>2020/9/8</a:t>
+              <a:t>2020/9/17</a:t>
             </a:fld>
             <a:endParaRPr lang="zh-TW" altLang="en-US"/>
           </a:p>
@@ -2260,7 +2261,7 @@
             <a:fld id="{B4A29A6A-427F-4B19-8281-5DE5E0B60C4E}" type="datetimeFigureOut">
               <a:rPr lang="zh-TW" altLang="en-US" smtClean="0"/>
               <a:pPr/>
-              <a:t>2020/9/8</a:t>
+              <a:t>2020/9/17</a:t>
             </a:fld>
             <a:endParaRPr lang="zh-TW" altLang="en-US"/>
           </a:p>
@@ -2514,7 +2515,7 @@
             <a:fld id="{B4A29A6A-427F-4B19-8281-5DE5E0B60C4E}" type="datetimeFigureOut">
               <a:rPr lang="zh-TW" altLang="en-US" smtClean="0"/>
               <a:pPr/>
-              <a:t>2020/9/8</a:t>
+              <a:t>2020/9/17</a:t>
             </a:fld>
             <a:endParaRPr lang="zh-TW" altLang="en-US"/>
           </a:p>
@@ -2729,7 +2730,7 @@
             <a:fld id="{B4A29A6A-427F-4B19-8281-5DE5E0B60C4E}" type="datetimeFigureOut">
               <a:rPr lang="zh-TW" altLang="en-US" smtClean="0"/>
               <a:pPr/>
-              <a:t>2020/9/8</a:t>
+              <a:t>2020/9/17</a:t>
             </a:fld>
             <a:endParaRPr lang="zh-TW" altLang="en-US"/>
           </a:p>
@@ -3279,6 +3280,13 @@
   <p:clrMapOvr>
     <a:masterClrMapping/>
   </p:clrMapOvr>
+  <p:timing>
+    <p:tnLst>
+      <p:par>
+        <p:cTn id="1" dur="indefinite" restart="never" nodeType="tmRoot"/>
+      </p:par>
+    </p:tnLst>
+  </p:timing>
 </p:sld>
 </file>
 
@@ -4935,6 +4943,138 @@
 </p:sld>
 </file>
 
+<file path=ppt/slides/slide18.xml><?xml version="1.0" encoding="utf-8"?>
+<p:sld xmlns:a="http://schemas.openxmlformats.org/drawingml/2006/main" xmlns:r="http://schemas.openxmlformats.org/officeDocument/2006/relationships" xmlns:p="http://schemas.openxmlformats.org/presentationml/2006/main">
+  <p:cSld>
+    <p:spTree>
+      <p:nvGrpSpPr>
+        <p:cNvPr id="1" name=""/>
+        <p:cNvGrpSpPr/>
+        <p:nvPr/>
+      </p:nvGrpSpPr>
+      <p:grpSpPr>
+        <a:xfrm>
+          <a:off x="0" y="0"/>
+          <a:ext cx="0" cy="0"/>
+          <a:chOff x="0" y="0"/>
+          <a:chExt cx="0" cy="0"/>
+        </a:xfrm>
+      </p:grpSpPr>
+      <p:sp>
+        <p:nvSpPr>
+          <p:cNvPr id="2" name="標題 1"/>
+          <p:cNvSpPr>
+            <a:spLocks noGrp="1"/>
+          </p:cNvSpPr>
+          <p:nvPr>
+            <p:ph type="title"/>
+          </p:nvPr>
+        </p:nvSpPr>
+        <p:spPr/>
+        <p:txBody>
+          <a:bodyPr/>
+          <a:lstStyle/>
+          <a:p>
+            <a:endParaRPr lang="zh-TW" altLang="en-US"/>
+          </a:p>
+        </p:txBody>
+      </p:sp>
+      <p:sp>
+        <p:nvSpPr>
+          <p:cNvPr id="3" name="內容版面配置區 2"/>
+          <p:cNvSpPr>
+            <a:spLocks noGrp="1"/>
+          </p:cNvSpPr>
+          <p:nvPr>
+            <p:ph idx="1"/>
+          </p:nvPr>
+        </p:nvSpPr>
+        <p:spPr/>
+        <p:txBody>
+          <a:bodyPr/>
+          <a:lstStyle/>
+          <a:p>
+            <a:pPr algn="ctr">
+              <a:buNone/>
+            </a:pPr>
+            <a:r>
+              <a:rPr lang="zh-TW" altLang="en-US" sz="6600" b="1" dirty="0" smtClean="0">
+                <a:solidFill>
+                  <a:srgbClr val="660033"/>
+                </a:solidFill>
+                <a:latin typeface="微軟正黑體" pitchFamily="34" charset="-120"/>
+                <a:ea typeface="微軟正黑體" pitchFamily="34" charset="-120"/>
+              </a:rPr>
+              <a:t>站在你的應許</a:t>
+            </a:r>
+            <a:r>
+              <a:rPr lang="zh-TW" altLang="en-US" sz="6600" b="1" dirty="0" smtClean="0">
+                <a:solidFill>
+                  <a:srgbClr val="660033"/>
+                </a:solidFill>
+                <a:latin typeface="微軟正黑體" pitchFamily="34" charset="-120"/>
+                <a:ea typeface="微軟正黑體" pitchFamily="34" charset="-120"/>
+              </a:rPr>
+              <a:t>中</a:t>
+            </a:r>
+            <a:endParaRPr lang="en-US" altLang="zh-TW" sz="6600" b="1" dirty="0" smtClean="0">
+              <a:solidFill>
+                <a:srgbClr val="660033"/>
+              </a:solidFill>
+              <a:latin typeface="微軟正黑體" pitchFamily="34" charset="-120"/>
+              <a:ea typeface="微軟正黑體" pitchFamily="34" charset="-120"/>
+            </a:endParaRPr>
+          </a:p>
+          <a:p>
+            <a:pPr algn="ctr">
+              <a:buNone/>
+            </a:pPr>
+            <a:r>
+              <a:rPr lang="zh-TW" altLang="en-US" sz="6600" b="1" dirty="0" smtClean="0">
+                <a:solidFill>
+                  <a:srgbClr val="660033"/>
+                </a:solidFill>
+                <a:latin typeface="微軟正黑體" pitchFamily="34" charset="-120"/>
+                <a:ea typeface="微軟正黑體" pitchFamily="34" charset="-120"/>
+              </a:rPr>
+              <a:t>宣告你國度降臨</a:t>
+            </a:r>
+          </a:p>
+          <a:p>
+            <a:pPr algn="ctr">
+              <a:buNone/>
+            </a:pPr>
+            <a:endParaRPr lang="en-US" altLang="zh-TW" sz="6600" b="1" dirty="0" smtClean="0">
+              <a:solidFill>
+                <a:srgbClr val="660033"/>
+              </a:solidFill>
+              <a:latin typeface="微軟正黑體" pitchFamily="34" charset="-120"/>
+              <a:ea typeface="微軟正黑體" pitchFamily="34" charset="-120"/>
+            </a:endParaRPr>
+          </a:p>
+          <a:p>
+            <a:pPr algn="ctr">
+              <a:buNone/>
+            </a:pPr>
+            <a:endParaRPr lang="zh-TW" altLang="en-US" dirty="0"/>
+          </a:p>
+        </p:txBody>
+      </p:sp>
+    </p:spTree>
+  </p:cSld>
+  <p:clrMapOvr>
+    <a:masterClrMapping/>
+  </p:clrMapOvr>
+  <p:timing>
+    <p:tnLst>
+      <p:par>
+        <p:cTn id="1" dur="indefinite" restart="never" nodeType="tmRoot"/>
+      </p:par>
+    </p:tnLst>
+  </p:timing>
+</p:sld>
+</file>
+
 <file path=ppt/slides/slide2.xml><?xml version="1.0" encoding="utf-8"?>
 <p:sld xmlns:a="http://schemas.openxmlformats.org/drawingml/2006/main" xmlns:r="http://schemas.openxmlformats.org/officeDocument/2006/relationships" xmlns:p="http://schemas.openxmlformats.org/presentationml/2006/main">
   <p:cSld>
@@ -5131,6 +5271,13 @@
   <p:clrMapOvr>
     <a:masterClrMapping/>
   </p:clrMapOvr>
+  <p:timing>
+    <p:tnLst>
+      <p:par>
+        <p:cTn id="1" dur="indefinite" restart="never" nodeType="tmRoot"/>
+      </p:par>
+    </p:tnLst>
+  </p:timing>
 </p:sld>
 </file>
 
@@ -5350,6 +5497,13 @@
   <p:clrMapOvr>
     <a:masterClrMapping/>
   </p:clrMapOvr>
+  <p:timing>
+    <p:tnLst>
+      <p:par>
+        <p:cTn id="1" dur="indefinite" restart="never" nodeType="tmRoot"/>
+      </p:par>
+    </p:tnLst>
+  </p:timing>
 </p:sld>
 </file>
 
@@ -5569,6 +5723,13 @@
   <p:clrMapOvr>
     <a:masterClrMapping/>
   </p:clrMapOvr>
+  <p:timing>
+    <p:tnLst>
+      <p:par>
+        <p:cTn id="1" dur="indefinite" restart="never" nodeType="tmRoot"/>
+      </p:par>
+    </p:tnLst>
+  </p:timing>
 </p:sld>
 </file>
 
@@ -5788,6 +5949,13 @@
   <p:clrMapOvr>
     <a:masterClrMapping/>
   </p:clrMapOvr>
+  <p:timing>
+    <p:tnLst>
+      <p:par>
+        <p:cTn id="1" dur="indefinite" restart="never" nodeType="tmRoot"/>
+      </p:par>
+    </p:tnLst>
+  </p:timing>
 </p:sld>
 </file>
 
